--- a/presentations/review2_cns.pptx
+++ b/presentations/review2_cns.pptx
@@ -9229,8 +9229,8 @@
         </p:blipFill>
         <p:spPr>
           <a:xfrm>
-            <a:off x="717656" y="1690688"/>
-            <a:ext cx="5378344" cy="4351338"/>
+            <a:off x="2830541" y="1690688"/>
+            <a:ext cx="6011618" cy="4351338"/>
           </a:xfrm>
         </p:spPr>
       </p:pic>
@@ -9292,31 +9292,65 @@
           </a:p>
         </p:txBody>
       </p:sp>
-      <p:sp>
-        <p:nvSpPr>
-          <p:cNvPr id="3" name="Content Placeholder 2">
-            <a:extLst>
-              <a:ext uri="{FF2B5EF4-FFF2-40B4-BE49-F238E27FC236}">
-                <a16:creationId xmlns:a16="http://schemas.microsoft.com/office/drawing/2014/main" id="{45060040-CF52-406C-90B7-16B3C87A95D0}"/>
-              </a:ext>
-            </a:extLst>
-          </p:cNvPr>
-          <p:cNvSpPr>
-            <a:spLocks noGrp="1"/>
-          </p:cNvSpPr>
+      <p:pic>
+        <p:nvPicPr>
+          <p:cNvPr id="7" name="Content Placeholder 6">
+            <a:extLst>
+              <a:ext uri="{FF2B5EF4-FFF2-40B4-BE49-F238E27FC236}">
+                <a16:creationId xmlns:a16="http://schemas.microsoft.com/office/drawing/2014/main" id="{AD67D62A-1585-4E59-853E-1ECABA6F36D6}"/>
+              </a:ext>
+            </a:extLst>
+          </p:cNvPr>
+          <p:cNvPicPr>
+            <a:picLocks noGrp="1" noChangeAspect="1"/>
+          </p:cNvPicPr>
           <p:nvPr>
             <p:ph idx="1"/>
           </p:nvPr>
-        </p:nvSpPr>
-        <p:spPr/>
-        <p:txBody>
-          <a:bodyPr/>
-          <a:lstStyle/>
-          <a:p>
-            <a:endParaRPr lang="en-US" dirty="0"/>
-          </a:p>
-        </p:txBody>
-      </p:sp>
+        </p:nvPicPr>
+        <p:blipFill>
+          <a:blip r:embed="rId2"/>
+          <a:stretch>
+            <a:fillRect/>
+          </a:stretch>
+        </p:blipFill>
+        <p:spPr>
+          <a:xfrm>
+            <a:off x="984667" y="1758950"/>
+            <a:ext cx="3840916" cy="4351338"/>
+          </a:xfrm>
+        </p:spPr>
+      </p:pic>
+      <p:pic>
+        <p:nvPicPr>
+          <p:cNvPr id="9" name="Picture 8">
+            <a:extLst>
+              <a:ext uri="{FF2B5EF4-FFF2-40B4-BE49-F238E27FC236}">
+                <a16:creationId xmlns:a16="http://schemas.microsoft.com/office/drawing/2014/main" id="{EA9B1832-4CB7-442D-93C7-530283826B79}"/>
+              </a:ext>
+            </a:extLst>
+          </p:cNvPr>
+          <p:cNvPicPr>
+            <a:picLocks noChangeAspect="1"/>
+          </p:cNvPicPr>
+          <p:nvPr/>
+        </p:nvPicPr>
+        <p:blipFill>
+          <a:blip r:embed="rId3"/>
+          <a:stretch>
+            <a:fillRect/>
+          </a:stretch>
+        </p:blipFill>
+        <p:spPr>
+          <a:xfrm>
+            <a:off x="5213694" y="2036761"/>
+            <a:ext cx="5308699" cy="3495675"/>
+          </a:xfrm>
+          <a:prstGeom prst="rect">
+            <a:avLst/>
+          </a:prstGeom>
+        </p:spPr>
+      </p:pic>
     </p:spTree>
     <p:extLst>
       <p:ext uri="{BB962C8B-B14F-4D97-AF65-F5344CB8AC3E}">
@@ -9802,31 +9836,65 @@
           </a:p>
         </p:txBody>
       </p:sp>
-      <p:sp>
-        <p:nvSpPr>
-          <p:cNvPr id="3" name="Content Placeholder 2">
-            <a:extLst>
-              <a:ext uri="{FF2B5EF4-FFF2-40B4-BE49-F238E27FC236}">
-                <a16:creationId xmlns:a16="http://schemas.microsoft.com/office/drawing/2014/main" id="{E634A497-ED9E-4389-885D-BB4EF71CA79F}"/>
-              </a:ext>
-            </a:extLst>
-          </p:cNvPr>
-          <p:cNvSpPr>
-            <a:spLocks noGrp="1"/>
-          </p:cNvSpPr>
+      <p:pic>
+        <p:nvPicPr>
+          <p:cNvPr id="5" name="Content Placeholder 4">
+            <a:extLst>
+              <a:ext uri="{FF2B5EF4-FFF2-40B4-BE49-F238E27FC236}">
+                <a16:creationId xmlns:a16="http://schemas.microsoft.com/office/drawing/2014/main" id="{087EA62C-9987-476B-9477-432C9B8242EC}"/>
+              </a:ext>
+            </a:extLst>
+          </p:cNvPr>
+          <p:cNvPicPr>
+            <a:picLocks noGrp="1" noChangeAspect="1"/>
+          </p:cNvPicPr>
           <p:nvPr>
             <p:ph idx="1"/>
           </p:nvPr>
-        </p:nvSpPr>
-        <p:spPr/>
-        <p:txBody>
-          <a:bodyPr/>
-          <a:lstStyle/>
-          <a:p>
-            <a:endParaRPr lang="en-US"/>
-          </a:p>
-        </p:txBody>
-      </p:sp>
+        </p:nvPicPr>
+        <p:blipFill>
+          <a:blip r:embed="rId2"/>
+          <a:stretch>
+            <a:fillRect/>
+          </a:stretch>
+        </p:blipFill>
+        <p:spPr>
+          <a:xfrm>
+            <a:off x="948430" y="1690688"/>
+            <a:ext cx="4652270" cy="2495749"/>
+          </a:xfrm>
+        </p:spPr>
+      </p:pic>
+      <p:pic>
+        <p:nvPicPr>
+          <p:cNvPr id="7" name="Picture 6">
+            <a:extLst>
+              <a:ext uri="{FF2B5EF4-FFF2-40B4-BE49-F238E27FC236}">
+                <a16:creationId xmlns:a16="http://schemas.microsoft.com/office/drawing/2014/main" id="{8A3D584E-CE47-405E-AF04-5D0FE5398C73}"/>
+              </a:ext>
+            </a:extLst>
+          </p:cNvPr>
+          <p:cNvPicPr>
+            <a:picLocks noChangeAspect="1"/>
+          </p:cNvPicPr>
+          <p:nvPr/>
+        </p:nvPicPr>
+        <p:blipFill>
+          <a:blip r:embed="rId3"/>
+          <a:stretch>
+            <a:fillRect/>
+          </a:stretch>
+        </p:blipFill>
+        <p:spPr>
+          <a:xfrm>
+            <a:off x="712890" y="4486190"/>
+            <a:ext cx="10640910" cy="1219370"/>
+          </a:xfrm>
+          <a:prstGeom prst="rect">
+            <a:avLst/>
+          </a:prstGeom>
+        </p:spPr>
+      </p:pic>
     </p:spTree>
     <p:extLst>
       <p:ext uri="{BB962C8B-B14F-4D97-AF65-F5344CB8AC3E}">
